--- a/Presentations/notes_pres2.pptx
+++ b/Presentations/notes_pres2.pptx
@@ -3740,10 +3740,10 @@
       </p:sp>
       <p:pic>
         <p:nvPicPr>
-          <p:cNvPr id="7" name="Picture 6">
-            <a:extLst>
-              <a:ext uri="{FF2B5EF4-FFF2-40B4-BE49-F238E27FC236}">
-                <a16:creationId xmlns:a16="http://schemas.microsoft.com/office/drawing/2014/main" id="{0E08CA8F-B0F8-C7A6-ACD9-14F97F0721E6}"/>
+          <p:cNvPr id="4" name="Picture 3">
+            <a:extLst>
+              <a:ext uri="{FF2B5EF4-FFF2-40B4-BE49-F238E27FC236}">
+                <a16:creationId xmlns:a16="http://schemas.microsoft.com/office/drawing/2014/main" id="{C3F2EF51-2AAC-3DCF-A9EC-43C4435B71BF}"/>
               </a:ext>
             </a:extLst>
           </p:cNvPr>
@@ -3760,8 +3760,8 @@
         </p:blipFill>
         <p:spPr>
           <a:xfrm>
-            <a:off x="2206305" y="1484851"/>
-            <a:ext cx="7558480" cy="4725690"/>
+            <a:off x="1536970" y="1367937"/>
+            <a:ext cx="9144000" cy="5402514"/>
           </a:xfrm>
           <a:prstGeom prst="rect">
             <a:avLst/>
